--- a/docs/NN2.pptx
+++ b/docs/NN2.pptx
@@ -5,17 +5,19 @@
     <p:sldMasterId id="2147483648" r:id="rId1"/>
   </p:sldMasterIdLst>
   <p:notesMasterIdLst>
-    <p:notesMasterId r:id="rId7"/>
+    <p:notesMasterId r:id="rId6"/>
   </p:notesMasterIdLst>
   <p:sldIdLst>
-    <p:sldId id="256" r:id="rId2"/>
-    <p:sldId id="257" r:id="rId3"/>
-    <p:sldId id="258" r:id="rId4"/>
-    <p:sldId id="259" r:id="rId5"/>
-    <p:sldId id="260" r:id="rId6"/>
+    <p:sldId id="257" r:id="rId2"/>
+    <p:sldId id="258" r:id="rId3"/>
+    <p:sldId id="259" r:id="rId4"/>
+    <p:sldId id="260" r:id="rId5"/>
   </p:sldIdLst>
   <p:sldSz cx="9144000" cy="6858000" type="screen4x3"/>
   <p:notesSz cx="6858000" cy="9144000"/>
+  <p:custDataLst>
+    <p:tags r:id="rId7"/>
+  </p:custDataLst>
   <p:defaultTextStyle>
     <a:defPPr>
       <a:defRPr lang="en-US"/>
@@ -196,7 +198,8 @@
           <a:p>
             <a:fld id="{D41B1FC9-1012-49BE-AF31-072BC85694CE}" type="datetimeFigureOut">
               <a:rPr lang="en-US" smtClean="0"/>
-              <a:t>10/9/2010</a:t>
+              <a:pPr/>
+              <a:t>10/17/2010</a:t>
             </a:fld>
             <a:endParaRPr lang="en-US"/>
           </a:p>
@@ -357,6 +360,7 @@
           <a:p>
             <a:fld id="{1E3B3619-CCBC-4C08-BAF8-9C51F102F69B}" type="slidenum">
               <a:rPr lang="en-US" smtClean="0"/>
+              <a:pPr/>
               <a:t>‹#›</a:t>
             </a:fld>
             <a:endParaRPr lang="en-US"/>
@@ -526,8 +530,9 @@
           <a:bodyPr/>
           <a:lstStyle/>
           <a:p>
-            <a:fld id="{1E3B3619-CCBC-4C08-BAF8-9C51F102F69B}" type="slidenum">
-              <a:rPr lang="en-US" smtClean="0"/>
+            <a:fld id="{27130E92-8CBD-4B47-8EE9-1F233874DC22}" type="slidenum">
+              <a:rPr lang="en-US" smtClean="0"/>
+              <a:pPr/>
               <a:t>1</a:t>
             </a:fld>
             <a:endParaRPr lang="en-US"/>
@@ -775,88 +780,6 @@
               <a:rPr lang="en-US" smtClean="0"/>
               <a:pPr/>
               <a:t>4</a:t>
-            </a:fld>
-            <a:endParaRPr lang="en-US"/>
-          </a:p>
-        </p:txBody>
-      </p:sp>
-    </p:spTree>
-  </p:cSld>
-  <p:clrMapOvr>
-    <a:masterClrMapping/>
-  </p:clrMapOvr>
-</p:notes>
-</file>
-
-<file path=ppt/notesSlides/notesSlide5.xml><?xml version="1.0" encoding="utf-8"?>
-<p:notes xmlns:a="http://schemas.openxmlformats.org/drawingml/2006/main" xmlns:r="http://schemas.openxmlformats.org/officeDocument/2006/relationships" xmlns:p="http://schemas.openxmlformats.org/presentationml/2006/main">
-  <p:cSld>
-    <p:spTree>
-      <p:nvGrpSpPr>
-        <p:cNvPr id="1" name=""/>
-        <p:cNvGrpSpPr/>
-        <p:nvPr/>
-      </p:nvGrpSpPr>
-      <p:grpSpPr>
-        <a:xfrm>
-          <a:off x="0" y="0"/>
-          <a:ext cx="0" cy="0"/>
-          <a:chOff x="0" y="0"/>
-          <a:chExt cx="0" cy="0"/>
-        </a:xfrm>
-      </p:grpSpPr>
-      <p:sp>
-        <p:nvSpPr>
-          <p:cNvPr id="2" name="Slide Image Placeholder 1"/>
-          <p:cNvSpPr>
-            <a:spLocks noGrp="1" noRot="1" noChangeAspect="1"/>
-          </p:cNvSpPr>
-          <p:nvPr>
-            <p:ph type="sldImg"/>
-          </p:nvPr>
-        </p:nvSpPr>
-        <p:spPr/>
-      </p:sp>
-      <p:sp>
-        <p:nvSpPr>
-          <p:cNvPr id="3" name="Notes Placeholder 2"/>
-          <p:cNvSpPr>
-            <a:spLocks noGrp="1"/>
-          </p:cNvSpPr>
-          <p:nvPr>
-            <p:ph type="body" idx="1"/>
-          </p:nvPr>
-        </p:nvSpPr>
-        <p:spPr/>
-        <p:txBody>
-          <a:bodyPr>
-            <a:normAutofit/>
-          </a:bodyPr>
-          <a:lstStyle/>
-          <a:p>
-            <a:endParaRPr lang="en-US"/>
-          </a:p>
-        </p:txBody>
-      </p:sp>
-      <p:sp>
-        <p:nvSpPr>
-          <p:cNvPr id="4" name="Slide Number Placeholder 3"/>
-          <p:cNvSpPr>
-            <a:spLocks noGrp="1"/>
-          </p:cNvSpPr>
-          <p:nvPr>
-            <p:ph type="sldNum" sz="quarter" idx="10"/>
-          </p:nvPr>
-        </p:nvSpPr>
-        <p:spPr/>
-        <p:txBody>
-          <a:bodyPr/>
-          <a:lstStyle/>
-          <a:p>
-            <a:fld id="{27130E92-8CBD-4B47-8EE9-1F233874DC22}" type="slidenum">
-              <a:rPr lang="en-US" smtClean="0"/>
-              <a:pPr/>
-              <a:t>5</a:t>
             </a:fld>
             <a:endParaRPr lang="en-US"/>
           </a:p>
@@ -1051,7 +974,8 @@
           <a:p>
             <a:fld id="{C38CE427-474D-443E-BAE5-FB8E96B40B8D}" type="datetimeFigureOut">
               <a:rPr lang="en-US" smtClean="0"/>
-              <a:t>10/9/2010</a:t>
+              <a:pPr/>
+              <a:t>10/17/2010</a:t>
             </a:fld>
             <a:endParaRPr lang="en-US"/>
           </a:p>
@@ -1093,6 +1017,7 @@
           <a:p>
             <a:fld id="{EDD131BD-90CA-4215-94AA-AC91636E657C}" type="slidenum">
               <a:rPr lang="en-US" smtClean="0"/>
+              <a:pPr/>
               <a:t>‹#›</a:t>
             </a:fld>
             <a:endParaRPr lang="en-US"/>
@@ -1216,7 +1141,8 @@
           <a:p>
             <a:fld id="{C38CE427-474D-443E-BAE5-FB8E96B40B8D}" type="datetimeFigureOut">
               <a:rPr lang="en-US" smtClean="0"/>
-              <a:t>10/9/2010</a:t>
+              <a:pPr/>
+              <a:t>10/17/2010</a:t>
             </a:fld>
             <a:endParaRPr lang="en-US"/>
           </a:p>
@@ -1258,6 +1184,7 @@
           <a:p>
             <a:fld id="{EDD131BD-90CA-4215-94AA-AC91636E657C}" type="slidenum">
               <a:rPr lang="en-US" smtClean="0"/>
+              <a:pPr/>
               <a:t>‹#›</a:t>
             </a:fld>
             <a:endParaRPr lang="en-US"/>
@@ -1391,7 +1318,8 @@
           <a:p>
             <a:fld id="{C38CE427-474D-443E-BAE5-FB8E96B40B8D}" type="datetimeFigureOut">
               <a:rPr lang="en-US" smtClean="0"/>
-              <a:t>10/9/2010</a:t>
+              <a:pPr/>
+              <a:t>10/17/2010</a:t>
             </a:fld>
             <a:endParaRPr lang="en-US"/>
           </a:p>
@@ -1433,6 +1361,7 @@
           <a:p>
             <a:fld id="{EDD131BD-90CA-4215-94AA-AC91636E657C}" type="slidenum">
               <a:rPr lang="en-US" smtClean="0"/>
+              <a:pPr/>
               <a:t>‹#›</a:t>
             </a:fld>
             <a:endParaRPr lang="en-US"/>
@@ -1556,7 +1485,8 @@
           <a:p>
             <a:fld id="{C38CE427-474D-443E-BAE5-FB8E96B40B8D}" type="datetimeFigureOut">
               <a:rPr lang="en-US" smtClean="0"/>
-              <a:t>10/9/2010</a:t>
+              <a:pPr/>
+              <a:t>10/17/2010</a:t>
             </a:fld>
             <a:endParaRPr lang="en-US"/>
           </a:p>
@@ -1598,6 +1528,7 @@
           <a:p>
             <a:fld id="{EDD131BD-90CA-4215-94AA-AC91636E657C}" type="slidenum">
               <a:rPr lang="en-US" smtClean="0"/>
+              <a:pPr/>
               <a:t>‹#›</a:t>
             </a:fld>
             <a:endParaRPr lang="en-US"/>
@@ -1797,7 +1728,8 @@
           <a:p>
             <a:fld id="{C38CE427-474D-443E-BAE5-FB8E96B40B8D}" type="datetimeFigureOut">
               <a:rPr lang="en-US" smtClean="0"/>
-              <a:t>10/9/2010</a:t>
+              <a:pPr/>
+              <a:t>10/17/2010</a:t>
             </a:fld>
             <a:endParaRPr lang="en-US"/>
           </a:p>
@@ -1839,6 +1771,7 @@
           <a:p>
             <a:fld id="{EDD131BD-90CA-4215-94AA-AC91636E657C}" type="slidenum">
               <a:rPr lang="en-US" smtClean="0"/>
+              <a:pPr/>
               <a:t>‹#›</a:t>
             </a:fld>
             <a:endParaRPr lang="en-US"/>
@@ -2080,7 +2013,8 @@
           <a:p>
             <a:fld id="{C38CE427-474D-443E-BAE5-FB8E96B40B8D}" type="datetimeFigureOut">
               <a:rPr lang="en-US" smtClean="0"/>
-              <a:t>10/9/2010</a:t>
+              <a:pPr/>
+              <a:t>10/17/2010</a:t>
             </a:fld>
             <a:endParaRPr lang="en-US"/>
           </a:p>
@@ -2122,6 +2056,7 @@
           <a:p>
             <a:fld id="{EDD131BD-90CA-4215-94AA-AC91636E657C}" type="slidenum">
               <a:rPr lang="en-US" smtClean="0"/>
+              <a:pPr/>
               <a:t>‹#›</a:t>
             </a:fld>
             <a:endParaRPr lang="en-US"/>
@@ -2497,7 +2432,8 @@
           <a:p>
             <a:fld id="{C38CE427-474D-443E-BAE5-FB8E96B40B8D}" type="datetimeFigureOut">
               <a:rPr lang="en-US" smtClean="0"/>
-              <a:t>10/9/2010</a:t>
+              <a:pPr/>
+              <a:t>10/17/2010</a:t>
             </a:fld>
             <a:endParaRPr lang="en-US"/>
           </a:p>
@@ -2539,6 +2475,7 @@
           <a:p>
             <a:fld id="{EDD131BD-90CA-4215-94AA-AC91636E657C}" type="slidenum">
               <a:rPr lang="en-US" smtClean="0"/>
+              <a:pPr/>
               <a:t>‹#›</a:t>
             </a:fld>
             <a:endParaRPr lang="en-US"/>
@@ -2610,7 +2547,8 @@
           <a:p>
             <a:fld id="{C38CE427-474D-443E-BAE5-FB8E96B40B8D}" type="datetimeFigureOut">
               <a:rPr lang="en-US" smtClean="0"/>
-              <a:t>10/9/2010</a:t>
+              <a:pPr/>
+              <a:t>10/17/2010</a:t>
             </a:fld>
             <a:endParaRPr lang="en-US"/>
           </a:p>
@@ -2652,6 +2590,7 @@
           <a:p>
             <a:fld id="{EDD131BD-90CA-4215-94AA-AC91636E657C}" type="slidenum">
               <a:rPr lang="en-US" smtClean="0"/>
+              <a:pPr/>
               <a:t>‹#›</a:t>
             </a:fld>
             <a:endParaRPr lang="en-US"/>
@@ -2700,7 +2639,8 @@
           <a:p>
             <a:fld id="{C38CE427-474D-443E-BAE5-FB8E96B40B8D}" type="datetimeFigureOut">
               <a:rPr lang="en-US" smtClean="0"/>
-              <a:t>10/9/2010</a:t>
+              <a:pPr/>
+              <a:t>10/17/2010</a:t>
             </a:fld>
             <a:endParaRPr lang="en-US"/>
           </a:p>
@@ -2742,6 +2682,7 @@
           <a:p>
             <a:fld id="{EDD131BD-90CA-4215-94AA-AC91636E657C}" type="slidenum">
               <a:rPr lang="en-US" smtClean="0"/>
+              <a:pPr/>
               <a:t>‹#›</a:t>
             </a:fld>
             <a:endParaRPr lang="en-US"/>
@@ -2972,7 +2913,8 @@
           <a:p>
             <a:fld id="{C38CE427-474D-443E-BAE5-FB8E96B40B8D}" type="datetimeFigureOut">
               <a:rPr lang="en-US" smtClean="0"/>
-              <a:t>10/9/2010</a:t>
+              <a:pPr/>
+              <a:t>10/17/2010</a:t>
             </a:fld>
             <a:endParaRPr lang="en-US"/>
           </a:p>
@@ -3014,6 +2956,7 @@
           <a:p>
             <a:fld id="{EDD131BD-90CA-4215-94AA-AC91636E657C}" type="slidenum">
               <a:rPr lang="en-US" smtClean="0"/>
+              <a:pPr/>
               <a:t>‹#›</a:t>
             </a:fld>
             <a:endParaRPr lang="en-US"/>
@@ -3220,7 +3163,8 @@
           <a:p>
             <a:fld id="{C38CE427-474D-443E-BAE5-FB8E96B40B8D}" type="datetimeFigureOut">
               <a:rPr lang="en-US" smtClean="0"/>
-              <a:t>10/9/2010</a:t>
+              <a:pPr/>
+              <a:t>10/17/2010</a:t>
             </a:fld>
             <a:endParaRPr lang="en-US"/>
           </a:p>
@@ -3262,6 +3206,7 @@
           <a:p>
             <a:fld id="{EDD131BD-90CA-4215-94AA-AC91636E657C}" type="slidenum">
               <a:rPr lang="en-US" smtClean="0"/>
+              <a:pPr/>
               <a:t>‹#›</a:t>
             </a:fld>
             <a:endParaRPr lang="en-US"/>
@@ -3428,7 +3373,8 @@
           <a:p>
             <a:fld id="{C38CE427-474D-443E-BAE5-FB8E96B40B8D}" type="datetimeFigureOut">
               <a:rPr lang="en-US" smtClean="0"/>
-              <a:t>10/9/2010</a:t>
+              <a:pPr/>
+              <a:t>10/17/2010</a:t>
             </a:fld>
             <a:endParaRPr lang="en-US"/>
           </a:p>
@@ -3506,6 +3452,7 @@
           <a:p>
             <a:fld id="{EDD131BD-90CA-4215-94AA-AC91636E657C}" type="slidenum">
               <a:rPr lang="en-US" smtClean="0"/>
+              <a:pPr/>
               <a:t>‹#›</a:t>
             </a:fld>
             <a:endParaRPr lang="en-US"/>
@@ -3800,69 +3747,6 @@
       </p:grpSpPr>
       <p:sp>
         <p:nvSpPr>
-          <p:cNvPr id="2" name="Title 1"/>
-          <p:cNvSpPr>
-            <a:spLocks noGrp="1"/>
-          </p:cNvSpPr>
-          <p:nvPr>
-            <p:ph type="ctrTitle"/>
-          </p:nvPr>
-        </p:nvSpPr>
-        <p:spPr/>
-        <p:txBody>
-          <a:bodyPr/>
-          <a:lstStyle/>
-          <a:p>
-            <a:endParaRPr lang="en-US"/>
-          </a:p>
-        </p:txBody>
-      </p:sp>
-      <p:sp>
-        <p:nvSpPr>
-          <p:cNvPr id="3" name="Subtitle 2"/>
-          <p:cNvSpPr>
-            <a:spLocks noGrp="1"/>
-          </p:cNvSpPr>
-          <p:nvPr>
-            <p:ph type="subTitle" idx="1"/>
-          </p:nvPr>
-        </p:nvSpPr>
-        <p:spPr/>
-        <p:txBody>
-          <a:bodyPr/>
-          <a:lstStyle/>
-          <a:p>
-            <a:endParaRPr lang="en-US"/>
-          </a:p>
-        </p:txBody>
-      </p:sp>
-    </p:spTree>
-  </p:cSld>
-  <p:clrMapOvr>
-    <a:masterClrMapping/>
-  </p:clrMapOvr>
-</p:sld>
-</file>
-
-<file path=ppt/slides/slide2.xml><?xml version="1.0" encoding="utf-8"?>
-<p:sld xmlns:a="http://schemas.openxmlformats.org/drawingml/2006/main" xmlns:r="http://schemas.openxmlformats.org/officeDocument/2006/relationships" xmlns:p="http://schemas.openxmlformats.org/presentationml/2006/main">
-  <p:cSld>
-    <p:spTree>
-      <p:nvGrpSpPr>
-        <p:cNvPr id="1" name=""/>
-        <p:cNvGrpSpPr/>
-        <p:nvPr/>
-      </p:nvGrpSpPr>
-      <p:grpSpPr>
-        <a:xfrm>
-          <a:off x="0" y="0"/>
-          <a:ext cx="0" cy="0"/>
-          <a:chOff x="0" y="0"/>
-          <a:chExt cx="0" cy="0"/>
-        </a:xfrm>
-      </p:grpSpPr>
-      <p:sp>
-        <p:nvSpPr>
           <p:cNvPr id="4" name="Oval 3"/>
           <p:cNvSpPr/>
           <p:nvPr/>
@@ -4269,7 +4153,7 @@
 </p:sld>
 </file>
 
-<file path=ppt/slides/slide3.xml><?xml version="1.0" encoding="utf-8"?>
+<file path=ppt/slides/slide2.xml><?xml version="1.0" encoding="utf-8"?>
 <p:sld xmlns:a="http://schemas.openxmlformats.org/drawingml/2006/main" xmlns:r="http://schemas.openxmlformats.org/officeDocument/2006/relationships" xmlns:p="http://schemas.openxmlformats.org/presentationml/2006/main">
   <p:cSld>
     <p:spTree>
@@ -5684,7 +5568,7 @@
 </p:sld>
 </file>
 
-<file path=ppt/slides/slide4.xml><?xml version="1.0" encoding="utf-8"?>
+<file path=ppt/slides/slide3.xml><?xml version="1.0" encoding="utf-8"?>
 <p:sld xmlns:a="http://schemas.openxmlformats.org/drawingml/2006/main" xmlns:r="http://schemas.openxmlformats.org/officeDocument/2006/relationships" xmlns:p="http://schemas.openxmlformats.org/presentationml/2006/main">
   <p:cSld>
     <p:spTree>
@@ -7601,7 +7485,7 @@
 </p:sld>
 </file>
 
-<file path=ppt/slides/slide5.xml><?xml version="1.0" encoding="utf-8"?>
+<file path=ppt/slides/slide4.xml><?xml version="1.0" encoding="utf-8"?>
 <p:sld xmlns:a="http://schemas.openxmlformats.org/drawingml/2006/main" xmlns:r="http://schemas.openxmlformats.org/officeDocument/2006/relationships" xmlns:p="http://schemas.openxmlformats.org/presentationml/2006/main">
   <p:cSld>
     <p:spTree>
@@ -7726,6 +7610,12 @@
     <a:masterClrMapping/>
   </p:clrMapOvr>
 </p:sld>
+</file>
+
+<file path=ppt/tags/tag1.xml><?xml version="1.0" encoding="utf-8"?>
+<p:tagLst xmlns:a="http://schemas.openxmlformats.org/drawingml/2006/main" xmlns:r="http://schemas.openxmlformats.org/officeDocument/2006/relationships" xmlns:p="http://schemas.openxmlformats.org/presentationml/2006/main">
+  <p:tag name="FIRSTVIPER@ZQZJMKMXSLWXY5MJ" val="3927"/>
+</p:tagLst>
 </file>
 
 <file path=ppt/theme/theme1.xml><?xml version="1.0" encoding="utf-8"?>
